--- a/FantasyPresentation.pptx
+++ b/FantasyPresentation.pptx
@@ -6,10 +6,20 @@
   </p:sldMasterIdLst>
   <p:sldIdLst>
     <p:sldId id="256" r:id="rId2"/>
-    <p:sldId id="257" r:id="rId3"/>
-    <p:sldId id="258" r:id="rId4"/>
-    <p:sldId id="259" r:id="rId5"/>
-    <p:sldId id="260" r:id="rId6"/>
+    <p:sldId id="265" r:id="rId3"/>
+    <p:sldId id="257" r:id="rId4"/>
+    <p:sldId id="258" r:id="rId5"/>
+    <p:sldId id="266" r:id="rId6"/>
+    <p:sldId id="264" r:id="rId7"/>
+    <p:sldId id="269" r:id="rId8"/>
+    <p:sldId id="270" r:id="rId9"/>
+    <p:sldId id="267" r:id="rId10"/>
+    <p:sldId id="259" r:id="rId11"/>
+    <p:sldId id="260" r:id="rId12"/>
+    <p:sldId id="263" r:id="rId13"/>
+    <p:sldId id="268" r:id="rId14"/>
+    <p:sldId id="261" r:id="rId15"/>
+    <p:sldId id="262" r:id="rId16"/>
   </p:sldIdLst>
   <p:sldSz cx="12192000" cy="6858000"/>
   <p:notesSz cx="6858000" cy="9144000"/>
@@ -108,6 +118,11 @@
       </a:defRPr>
     </a:lvl9pPr>
   </p:defaultTextStyle>
+  <p:extLst>
+    <p:ext uri="{EFAFB233-063F-42B5-8137-9DF3F51BA10A}">
+      <p15:sldGuideLst xmlns:p15="http://schemas.microsoft.com/office/powerpoint/2012/main"/>
+    </p:ext>
+  </p:extLst>
 </p:presentation>
 </file>
 
@@ -341,7 +356,7 @@
             <a:fld id="{B61BEF0D-F0BB-DE4B-95CE-6DB70DBA9567}" type="datetimeFigureOut">
               <a:rPr lang="en-US" dirty="0"/>
               <a:pPr/>
-              <a:t>11/11/20</a:t>
+              <a:t>11/16/20</a:t>
             </a:fld>
             <a:endParaRPr lang="en-US" dirty="0"/>
           </a:p>
@@ -672,7 +687,7 @@
             <a:fld id="{B61BEF0D-F0BB-DE4B-95CE-6DB70DBA9567}" type="datetimeFigureOut">
               <a:rPr lang="en-US" dirty="0"/>
               <a:pPr/>
-              <a:t>11/11/20</a:t>
+              <a:t>11/16/20</a:t>
             </a:fld>
             <a:endParaRPr lang="en-US" dirty="0"/>
           </a:p>
@@ -947,7 +962,7 @@
             <a:fld id="{B61BEF0D-F0BB-DE4B-95CE-6DB70DBA9567}" type="datetimeFigureOut">
               <a:rPr lang="en-US" dirty="0"/>
               <a:pPr/>
-              <a:t>11/11/20</a:t>
+              <a:t>11/16/20</a:t>
             </a:fld>
             <a:endParaRPr lang="en-US" dirty="0"/>
           </a:p>
@@ -1512,7 +1527,7 @@
             <a:fld id="{B61BEF0D-F0BB-DE4B-95CE-6DB70DBA9567}" type="datetimeFigureOut">
               <a:rPr lang="en-US" dirty="0"/>
               <a:pPr/>
-              <a:t>11/11/20</a:t>
+              <a:t>11/16/20</a:t>
             </a:fld>
             <a:endParaRPr lang="en-US" dirty="0"/>
           </a:p>
@@ -1787,7 +1802,7 @@
             <a:fld id="{B61BEF0D-F0BB-DE4B-95CE-6DB70DBA9567}" type="datetimeFigureOut">
               <a:rPr lang="en-US" dirty="0"/>
               <a:pPr/>
-              <a:t>11/11/20</a:t>
+              <a:t>11/16/20</a:t>
             </a:fld>
             <a:endParaRPr lang="en-US" dirty="0"/>
           </a:p>
@@ -2346,7 +2361,7 @@
             <a:fld id="{B61BEF0D-F0BB-DE4B-95CE-6DB70DBA9567}" type="datetimeFigureOut">
               <a:rPr lang="en-US" dirty="0"/>
               <a:pPr/>
-              <a:t>11/11/20</a:t>
+              <a:t>11/16/20</a:t>
             </a:fld>
             <a:endParaRPr lang="en-US" dirty="0"/>
           </a:p>
@@ -2670,7 +2685,7 @@
             <a:fld id="{B61BEF0D-F0BB-DE4B-95CE-6DB70DBA9567}" type="datetimeFigureOut">
               <a:rPr lang="en-US" dirty="0"/>
               <a:pPr/>
-              <a:t>11/11/20</a:t>
+              <a:t>11/16/20</a:t>
             </a:fld>
             <a:endParaRPr lang="en-US" dirty="0"/>
           </a:p>
@@ -2844,7 +2859,7 @@
             <a:fld id="{B61BEF0D-F0BB-DE4B-95CE-6DB70DBA9567}" type="datetimeFigureOut">
               <a:rPr lang="en-US" dirty="0"/>
               <a:pPr/>
-              <a:t>11/11/20</a:t>
+              <a:t>11/16/20</a:t>
             </a:fld>
             <a:endParaRPr lang="en-US" dirty="0"/>
           </a:p>
@@ -3079,7 +3094,7 @@
             <a:fld id="{B61BEF0D-F0BB-DE4B-95CE-6DB70DBA9567}" type="datetimeFigureOut">
               <a:rPr lang="en-US" dirty="0"/>
               <a:pPr/>
-              <a:t>11/11/20</a:t>
+              <a:t>11/16/20</a:t>
             </a:fld>
             <a:endParaRPr lang="en-US" dirty="0"/>
           </a:p>
@@ -3276,7 +3291,7 @@
             <a:fld id="{B61BEF0D-F0BB-DE4B-95CE-6DB70DBA9567}" type="datetimeFigureOut">
               <a:rPr lang="en-US" dirty="0"/>
               <a:pPr/>
-              <a:t>11/11/20</a:t>
+              <a:t>11/16/20</a:t>
             </a:fld>
             <a:endParaRPr lang="en-US" dirty="0"/>
           </a:p>
@@ -3549,7 +3564,7 @@
             <a:fld id="{B61BEF0D-F0BB-DE4B-95CE-6DB70DBA9567}" type="datetimeFigureOut">
               <a:rPr lang="en-US" dirty="0"/>
               <a:pPr/>
-              <a:t>11/11/20</a:t>
+              <a:t>11/16/20</a:t>
             </a:fld>
             <a:endParaRPr lang="en-US" dirty="0"/>
           </a:p>
@@ -3812,7 +3827,7 @@
             <a:fld id="{B61BEF0D-F0BB-DE4B-95CE-6DB70DBA9567}" type="datetimeFigureOut">
               <a:rPr lang="en-US" dirty="0"/>
               <a:pPr/>
-              <a:t>11/11/20</a:t>
+              <a:t>11/16/20</a:t>
             </a:fld>
             <a:endParaRPr lang="en-US" dirty="0"/>
           </a:p>
@@ -4183,7 +4198,7 @@
             <a:fld id="{B61BEF0D-F0BB-DE4B-95CE-6DB70DBA9567}" type="datetimeFigureOut">
               <a:rPr lang="en-US" dirty="0"/>
               <a:pPr/>
-              <a:t>11/11/20</a:t>
+              <a:t>11/16/20</a:t>
             </a:fld>
             <a:endParaRPr lang="en-US" dirty="0"/>
           </a:p>
@@ -4328,7 +4343,7 @@
             <a:fld id="{B61BEF0D-F0BB-DE4B-95CE-6DB70DBA9567}" type="datetimeFigureOut">
               <a:rPr lang="en-US" dirty="0"/>
               <a:pPr/>
-              <a:t>11/11/20</a:t>
+              <a:t>11/16/20</a:t>
             </a:fld>
             <a:endParaRPr lang="en-US" dirty="0"/>
           </a:p>
@@ -4450,7 +4465,7 @@
             <a:fld id="{B61BEF0D-F0BB-DE4B-95CE-6DB70DBA9567}" type="datetimeFigureOut">
               <a:rPr lang="en-US" dirty="0"/>
               <a:pPr/>
-              <a:t>11/11/20</a:t>
+              <a:t>11/16/20</a:t>
             </a:fld>
             <a:endParaRPr lang="en-US" dirty="0"/>
           </a:p>
@@ -4732,7 +4747,7 @@
             <a:fld id="{B61BEF0D-F0BB-DE4B-95CE-6DB70DBA9567}" type="datetimeFigureOut">
               <a:rPr lang="en-US" dirty="0"/>
               <a:pPr/>
-              <a:t>11/11/20</a:t>
+              <a:t>11/16/20</a:t>
             </a:fld>
             <a:endParaRPr lang="en-US" dirty="0"/>
           </a:p>
@@ -5053,7 +5068,7 @@
             <a:fld id="{B61BEF0D-F0BB-DE4B-95CE-6DB70DBA9567}" type="datetimeFigureOut">
               <a:rPr lang="en-US" dirty="0"/>
               <a:pPr/>
-              <a:t>11/11/20</a:t>
+              <a:t>11/16/20</a:t>
             </a:fld>
             <a:endParaRPr lang="en-US" dirty="0"/>
           </a:p>
@@ -5264,7 +5279,7 @@
             <a:fld id="{B61BEF0D-F0BB-DE4B-95CE-6DB70DBA9567}" type="datetimeFigureOut">
               <a:rPr lang="en-US" dirty="0"/>
               <a:pPr/>
-              <a:t>11/11/20</a:t>
+              <a:t>11/16/20</a:t>
             </a:fld>
             <a:endParaRPr lang="en-US" dirty="0"/>
           </a:p>
@@ -5842,389 +5857,7 @@
 </p:sld>
 </file>
 
-<file path=ppt/slides/slide2.xml><?xml version="1.0" encoding="utf-8"?>
-<p:sld xmlns:a="http://schemas.openxmlformats.org/drawingml/2006/main" xmlns:r="http://schemas.openxmlformats.org/officeDocument/2006/relationships" xmlns:p="http://schemas.openxmlformats.org/presentationml/2006/main">
-  <p:cSld>
-    <p:bg>
-      <p:bgPr>
-        <a:blipFill>
-          <a:blip r:embed="rId2"/>
-          <a:stretch/>
-        </a:blipFill>
-        <a:effectLst/>
-      </p:bgPr>
-    </p:bg>
-    <p:spTree>
-      <p:nvGrpSpPr>
-        <p:cNvPr id="1" name=""/>
-        <p:cNvGrpSpPr/>
-        <p:nvPr/>
-      </p:nvGrpSpPr>
-      <p:grpSpPr>
-        <a:xfrm>
-          <a:off x="0" y="0"/>
-          <a:ext cx="0" cy="0"/>
-          <a:chOff x="0" y="0"/>
-          <a:chExt cx="0" cy="0"/>
-        </a:xfrm>
-      </p:grpSpPr>
-      <p:sp>
-        <p:nvSpPr>
-          <p:cNvPr id="2" name="Title 1">
-            <a:extLst>
-              <a:ext uri="{FF2B5EF4-FFF2-40B4-BE49-F238E27FC236}">
-                <a16:creationId xmlns:a16="http://schemas.microsoft.com/office/drawing/2014/main" id="{6305CC6D-E322-A742-83B2-74BA823B4EAB}"/>
-              </a:ext>
-            </a:extLst>
-          </p:cNvPr>
-          <p:cNvSpPr>
-            <a:spLocks noGrp="1"/>
-          </p:cNvSpPr>
-          <p:nvPr>
-            <p:ph type="title"/>
-          </p:nvPr>
-        </p:nvSpPr>
-        <p:spPr>
-          <a:xfrm>
-            <a:off x="685801" y="609600"/>
-            <a:ext cx="5219699" cy="1456267"/>
-          </a:xfrm>
-        </p:spPr>
-        <p:txBody>
-          <a:bodyPr>
-            <a:normAutofit/>
-          </a:bodyPr>
-          <a:lstStyle/>
-          <a:p>
-            <a:r>
-              <a:rPr lang="en-US" dirty="0"/>
-              <a:t>Why fantasy football?</a:t>
-            </a:r>
-          </a:p>
-        </p:txBody>
-      </p:sp>
-      <p:sp>
-        <p:nvSpPr>
-          <p:cNvPr id="3" name="Content Placeholder 2">
-            <a:extLst>
-              <a:ext uri="{FF2B5EF4-FFF2-40B4-BE49-F238E27FC236}">
-                <a16:creationId xmlns:a16="http://schemas.microsoft.com/office/drawing/2014/main" id="{011E53FD-50B0-2E4A-ADE9-E324C8E283E3}"/>
-              </a:ext>
-            </a:extLst>
-          </p:cNvPr>
-          <p:cNvSpPr>
-            <a:spLocks noGrp="1"/>
-          </p:cNvSpPr>
-          <p:nvPr>
-            <p:ph idx="1"/>
-          </p:nvPr>
-        </p:nvSpPr>
-        <p:spPr>
-          <a:xfrm>
-            <a:off x="685801" y="2142067"/>
-            <a:ext cx="5219699" cy="3649133"/>
-          </a:xfrm>
-        </p:spPr>
-        <p:txBody>
-          <a:bodyPr>
-            <a:normAutofit/>
-          </a:bodyPr>
-          <a:lstStyle/>
-          <a:p>
-            <a:r>
-              <a:rPr lang="en-US" dirty="0"/>
-              <a:t>Familiarity with dataset</a:t>
-            </a:r>
-          </a:p>
-          <a:p>
-            <a:pPr lvl="1"/>
-            <a:r>
-              <a:rPr lang="en-US" dirty="0"/>
-              <a:t>Longtime football fans</a:t>
-            </a:r>
-          </a:p>
-          <a:p>
-            <a:r>
-              <a:rPr lang="en-US" dirty="0"/>
-              <a:t>Personal application of results</a:t>
-            </a:r>
-          </a:p>
-          <a:p>
-            <a:pPr lvl="1"/>
-            <a:r>
-              <a:rPr lang="en-US" dirty="0"/>
-              <a:t>Both of us participate in fantasy football leagues</a:t>
-            </a:r>
-          </a:p>
-          <a:p>
-            <a:r>
-              <a:rPr lang="en-US" dirty="0"/>
-              <a:t>Availability of data</a:t>
-            </a:r>
-          </a:p>
-          <a:p>
-            <a:pPr lvl="1"/>
-            <a:r>
-              <a:rPr lang="en-US" dirty="0" err="1"/>
-              <a:t>Fantasyfootballdatapros.com</a:t>
-            </a:r>
-            <a:r>
-              <a:rPr lang="en-US" dirty="0"/>
-              <a:t> has data all the way back to 1970</a:t>
-            </a:r>
-          </a:p>
-        </p:txBody>
-      </p:sp>
-      <p:pic>
-        <p:nvPicPr>
-          <p:cNvPr id="5" name="Picture 4" descr="Logo&#10;&#10;Description automatically generated">
-            <a:extLst>
-              <a:ext uri="{FF2B5EF4-FFF2-40B4-BE49-F238E27FC236}">
-                <a16:creationId xmlns:a16="http://schemas.microsoft.com/office/drawing/2014/main" id="{6592F2C8-7C6B-634A-B36B-4AAE7C1BB1A5}"/>
-              </a:ext>
-            </a:extLst>
-          </p:cNvPr>
-          <p:cNvPicPr>
-            <a:picLocks noChangeAspect="1"/>
-          </p:cNvPicPr>
-          <p:nvPr/>
-        </p:nvPicPr>
-        <p:blipFill rotWithShape="1">
-          <a:blip r:embed="rId3"/>
-          <a:srcRect l="20320" r="21324" b="2"/>
-          <a:stretch/>
-        </p:blipFill>
-        <p:spPr>
-          <a:xfrm>
-            <a:off x="6198830" y="639097"/>
-            <a:ext cx="5447070" cy="5250425"/>
-          </a:xfrm>
-          <a:prstGeom prst="roundRect">
-            <a:avLst>
-              <a:gd name="adj" fmla="val 4380"/>
-            </a:avLst>
-          </a:prstGeom>
-          <a:ln w="50800" cap="sq" cmpd="dbl">
-            <a:gradFill flip="none" rotWithShape="1">
-              <a:gsLst>
-                <a:gs pos="0">
-                  <a:srgbClr val="FFFFFF"/>
-                </a:gs>
-                <a:gs pos="100000">
-                  <a:schemeClr val="tx1">
-                    <a:alpha val="0"/>
-                  </a:schemeClr>
-                </a:gs>
-              </a:gsLst>
-              <a:path path="circle">
-                <a:fillToRect l="50000" t="50000" r="50000" b="50000"/>
-              </a:path>
-              <a:tileRect/>
-            </a:gradFill>
-            <a:miter lim="800000"/>
-          </a:ln>
-          <a:effectLst>
-            <a:outerShdw blurRad="254000" algn="tl" rotWithShape="0">
-              <a:srgbClr val="000000">
-                <a:alpha val="43000"/>
-              </a:srgbClr>
-            </a:outerShdw>
-          </a:effectLst>
-        </p:spPr>
-      </p:pic>
-    </p:spTree>
-    <p:extLst>
-      <p:ext uri="{BB962C8B-B14F-4D97-AF65-F5344CB8AC3E}">
-        <p14:creationId xmlns:p14="http://schemas.microsoft.com/office/powerpoint/2010/main" val="3658748850"/>
-      </p:ext>
-    </p:extLst>
-  </p:cSld>
-  <p:clrMapOvr>
-    <a:masterClrMapping/>
-  </p:clrMapOvr>
-</p:sld>
-</file>
-
-<file path=ppt/slides/slide3.xml><?xml version="1.0" encoding="utf-8"?>
-<p:sld xmlns:a="http://schemas.openxmlformats.org/drawingml/2006/main" xmlns:r="http://schemas.openxmlformats.org/officeDocument/2006/relationships" xmlns:p="http://schemas.openxmlformats.org/presentationml/2006/main">
-  <p:cSld>
-    <p:bg>
-      <p:bgPr>
-        <a:blipFill>
-          <a:blip r:embed="rId2"/>
-          <a:stretch/>
-        </a:blipFill>
-        <a:effectLst/>
-      </p:bgPr>
-    </p:bg>
-    <p:spTree>
-      <p:nvGrpSpPr>
-        <p:cNvPr id="1" name=""/>
-        <p:cNvGrpSpPr/>
-        <p:nvPr/>
-      </p:nvGrpSpPr>
-      <p:grpSpPr>
-        <a:xfrm>
-          <a:off x="0" y="0"/>
-          <a:ext cx="0" cy="0"/>
-          <a:chOff x="0" y="0"/>
-          <a:chExt cx="0" cy="0"/>
-        </a:xfrm>
-      </p:grpSpPr>
-      <p:sp>
-        <p:nvSpPr>
-          <p:cNvPr id="2" name="Title 1">
-            <a:extLst>
-              <a:ext uri="{FF2B5EF4-FFF2-40B4-BE49-F238E27FC236}">
-                <a16:creationId xmlns:a16="http://schemas.microsoft.com/office/drawing/2014/main" id="{747940B4-7C66-B24E-BABA-BD4D384C7FD0}"/>
-              </a:ext>
-            </a:extLst>
-          </p:cNvPr>
-          <p:cNvSpPr>
-            <a:spLocks noGrp="1"/>
-          </p:cNvSpPr>
-          <p:nvPr>
-            <p:ph type="title"/>
-          </p:nvPr>
-        </p:nvSpPr>
-        <p:spPr>
-          <a:xfrm>
-            <a:off x="4955458" y="639097"/>
-            <a:ext cx="6593075" cy="1612490"/>
-          </a:xfrm>
-        </p:spPr>
-        <p:txBody>
-          <a:bodyPr>
-            <a:normAutofit/>
-          </a:bodyPr>
-          <a:lstStyle/>
-          <a:p>
-            <a:r>
-              <a:rPr lang="en-US" dirty="0"/>
-              <a:t>Research goals</a:t>
-            </a:r>
-          </a:p>
-        </p:txBody>
-      </p:sp>
-      <p:pic>
-        <p:nvPicPr>
-          <p:cNvPr id="5" name="Picture 4" descr="Table&#10;&#10;Description automatically generated">
-            <a:extLst>
-              <a:ext uri="{FF2B5EF4-FFF2-40B4-BE49-F238E27FC236}">
-                <a16:creationId xmlns:a16="http://schemas.microsoft.com/office/drawing/2014/main" id="{B805DE38-8D1C-454C-8C60-78980217AD94}"/>
-              </a:ext>
-            </a:extLst>
-          </p:cNvPr>
-          <p:cNvPicPr>
-            <a:picLocks noChangeAspect="1"/>
-          </p:cNvPicPr>
-          <p:nvPr/>
-        </p:nvPicPr>
-        <p:blipFill>
-          <a:blip r:embed="rId3"/>
-          <a:stretch>
-            <a:fillRect/>
-          </a:stretch>
-        </p:blipFill>
-        <p:spPr>
-          <a:xfrm>
-            <a:off x="1025268" y="639097"/>
-            <a:ext cx="3233754" cy="5575439"/>
-          </a:xfrm>
-          <a:prstGeom prst="roundRect">
-            <a:avLst>
-              <a:gd name="adj" fmla="val 4380"/>
-            </a:avLst>
-          </a:prstGeom>
-          <a:ln w="50800" cap="sq" cmpd="dbl">
-            <a:gradFill flip="none" rotWithShape="1">
-              <a:gsLst>
-                <a:gs pos="0">
-                  <a:srgbClr val="FFFFFF"/>
-                </a:gs>
-                <a:gs pos="100000">
-                  <a:schemeClr val="tx1">
-                    <a:alpha val="0"/>
-                  </a:schemeClr>
-                </a:gs>
-              </a:gsLst>
-              <a:path path="circle">
-                <a:fillToRect l="50000" t="50000" r="50000" b="50000"/>
-              </a:path>
-              <a:tileRect/>
-            </a:gradFill>
-            <a:miter lim="800000"/>
-          </a:ln>
-          <a:effectLst>
-            <a:outerShdw blurRad="254000" algn="tl" rotWithShape="0">
-              <a:srgbClr val="000000">
-                <a:alpha val="43000"/>
-              </a:srgbClr>
-            </a:outerShdw>
-          </a:effectLst>
-        </p:spPr>
-      </p:pic>
-      <p:sp>
-        <p:nvSpPr>
-          <p:cNvPr id="3" name="Content Placeholder 2">
-            <a:extLst>
-              <a:ext uri="{FF2B5EF4-FFF2-40B4-BE49-F238E27FC236}">
-                <a16:creationId xmlns:a16="http://schemas.microsoft.com/office/drawing/2014/main" id="{094EC77A-8F3E-CA48-89DE-88B546387B43}"/>
-              </a:ext>
-            </a:extLst>
-          </p:cNvPr>
-          <p:cNvSpPr>
-            <a:spLocks noGrp="1"/>
-          </p:cNvSpPr>
-          <p:nvPr>
-            <p:ph idx="1"/>
-          </p:nvPr>
-        </p:nvSpPr>
-        <p:spPr>
-          <a:xfrm>
-            <a:off x="4955458" y="2251587"/>
-            <a:ext cx="6593075" cy="3972232"/>
-          </a:xfrm>
-        </p:spPr>
-        <p:txBody>
-          <a:bodyPr>
-            <a:normAutofit/>
-          </a:bodyPr>
-          <a:lstStyle/>
-          <a:p>
-            <a:r>
-              <a:rPr lang="en-US" dirty="0"/>
-              <a:t>Predict future player performance based on player statistics and league-wide trends</a:t>
-            </a:r>
-          </a:p>
-          <a:p>
-            <a:r>
-              <a:rPr lang="en-US" dirty="0"/>
-              <a:t>Apply techniques from class to compare and contrast accuracy of different models for our purpose</a:t>
-            </a:r>
-          </a:p>
-          <a:p>
-            <a:r>
-              <a:rPr lang="en-US" dirty="0"/>
-              <a:t>Gain insight into fantasy football trends we may not have seen</a:t>
-            </a:r>
-          </a:p>
-        </p:txBody>
-      </p:sp>
-    </p:spTree>
-    <p:extLst>
-      <p:ext uri="{BB962C8B-B14F-4D97-AF65-F5344CB8AC3E}">
-        <p14:creationId xmlns:p14="http://schemas.microsoft.com/office/powerpoint/2010/main" val="4108440633"/>
-      </p:ext>
-    </p:extLst>
-  </p:cSld>
-  <p:clrMapOvr>
-    <a:masterClrMapping/>
-  </p:clrMapOvr>
-</p:sld>
-</file>
-
-<file path=ppt/slides/slide4.xml><?xml version="1.0" encoding="utf-8"?>
+<file path=ppt/slides/slide10.xml><?xml version="1.0" encoding="utf-8"?>
 <p:sld xmlns:a="http://schemas.openxmlformats.org/drawingml/2006/main" xmlns:r="http://schemas.openxmlformats.org/officeDocument/2006/relationships" xmlns:p="http://schemas.openxmlformats.org/presentationml/2006/main">
   <p:cSld>
     <p:spTree>
@@ -6343,7 +5976,7 @@
 </p:sld>
 </file>
 
-<file path=ppt/slides/slide5.xml><?xml version="1.0" encoding="utf-8"?>
+<file path=ppt/slides/slide11.xml><?xml version="1.0" encoding="utf-8"?>
 <p:sld xmlns:a="http://schemas.openxmlformats.org/drawingml/2006/main" xmlns:r="http://schemas.openxmlformats.org/officeDocument/2006/relationships" xmlns:p="http://schemas.openxmlformats.org/presentationml/2006/main">
   <p:cSld>
     <p:spTree>
@@ -6388,8 +6021,8 @@
           </a:p>
         </p:txBody>
       </p:sp>
-      <mc:AlternateContent xmlns:mc="http://schemas.openxmlformats.org/markup-compatibility/2006">
-        <mc:Choice xmlns:a14="http://schemas.microsoft.com/office/drawing/2010/main" Requires="a14">
+      <mc:AlternateContent xmlns:mc="http://schemas.openxmlformats.org/markup-compatibility/2006" xmlns:a14="http://schemas.microsoft.com/office/drawing/2010/main">
+        <mc:Choice Requires="a14">
           <p:sp>
             <p:nvSpPr>
               <p:cNvPr id="3" name="Content Placeholder 2">
@@ -6956,7 +6589,7 @@
             </p:txBody>
           </p:sp>
         </mc:Choice>
-        <mc:Fallback>
+        <mc:Fallback xmlns="">
           <p:sp>
             <p:nvSpPr>
               <p:cNvPr id="3" name="Content Placeholder 2">
@@ -7000,6 +6633,1615 @@
     <p:extLst>
       <p:ext uri="{BB962C8B-B14F-4D97-AF65-F5344CB8AC3E}">
         <p14:creationId xmlns:p14="http://schemas.microsoft.com/office/powerpoint/2010/main" val="1839807779"/>
+      </p:ext>
+    </p:extLst>
+  </p:cSld>
+  <p:clrMapOvr>
+    <a:masterClrMapping/>
+  </p:clrMapOvr>
+</p:sld>
+</file>
+
+<file path=ppt/slides/slide12.xml><?xml version="1.0" encoding="utf-8"?>
+<p:sld xmlns:a="http://schemas.openxmlformats.org/drawingml/2006/main" xmlns:r="http://schemas.openxmlformats.org/officeDocument/2006/relationships" xmlns:p="http://schemas.openxmlformats.org/presentationml/2006/main">
+  <p:cSld>
+    <p:spTree>
+      <p:nvGrpSpPr>
+        <p:cNvPr id="1" name=""/>
+        <p:cNvGrpSpPr/>
+        <p:nvPr/>
+      </p:nvGrpSpPr>
+      <p:grpSpPr>
+        <a:xfrm>
+          <a:off x="0" y="0"/>
+          <a:ext cx="0" cy="0"/>
+          <a:chOff x="0" y="0"/>
+          <a:chExt cx="0" cy="0"/>
+        </a:xfrm>
+      </p:grpSpPr>
+      <p:sp>
+        <p:nvSpPr>
+          <p:cNvPr id="2" name="Title 1">
+            <a:extLst>
+              <a:ext uri="{FF2B5EF4-FFF2-40B4-BE49-F238E27FC236}">
+                <a16:creationId xmlns:a16="http://schemas.microsoft.com/office/drawing/2014/main" id="{8BB32D2A-C98C-304D-B9AA-32A35CA35574}"/>
+              </a:ext>
+            </a:extLst>
+          </p:cNvPr>
+          <p:cNvSpPr>
+            <a:spLocks noGrp="1"/>
+          </p:cNvSpPr>
+          <p:nvPr>
+            <p:ph type="title"/>
+          </p:nvPr>
+        </p:nvSpPr>
+        <p:spPr/>
+        <p:txBody>
+          <a:bodyPr/>
+          <a:lstStyle/>
+          <a:p>
+            <a:endParaRPr lang="en-US" dirty="0"/>
+          </a:p>
+        </p:txBody>
+      </p:sp>
+      <p:sp>
+        <p:nvSpPr>
+          <p:cNvPr id="3" name="Content Placeholder 2">
+            <a:extLst>
+              <a:ext uri="{FF2B5EF4-FFF2-40B4-BE49-F238E27FC236}">
+                <a16:creationId xmlns:a16="http://schemas.microsoft.com/office/drawing/2014/main" id="{16E3D7DD-1FCC-784C-BECB-B8AE01CDDC0C}"/>
+              </a:ext>
+            </a:extLst>
+          </p:cNvPr>
+          <p:cNvSpPr>
+            <a:spLocks noGrp="1"/>
+          </p:cNvSpPr>
+          <p:nvPr>
+            <p:ph idx="1"/>
+          </p:nvPr>
+        </p:nvSpPr>
+        <p:spPr/>
+        <p:txBody>
+          <a:bodyPr/>
+          <a:lstStyle/>
+          <a:p>
+            <a:endParaRPr lang="en-US"/>
+          </a:p>
+        </p:txBody>
+      </p:sp>
+    </p:spTree>
+    <p:extLst>
+      <p:ext uri="{BB962C8B-B14F-4D97-AF65-F5344CB8AC3E}">
+        <p14:creationId xmlns:p14="http://schemas.microsoft.com/office/powerpoint/2010/main" val="1965292943"/>
+      </p:ext>
+    </p:extLst>
+  </p:cSld>
+  <p:clrMapOvr>
+    <a:masterClrMapping/>
+  </p:clrMapOvr>
+</p:sld>
+</file>
+
+<file path=ppt/slides/slide13.xml><?xml version="1.0" encoding="utf-8"?>
+<p:sld xmlns:a="http://schemas.openxmlformats.org/drawingml/2006/main" xmlns:r="http://schemas.openxmlformats.org/officeDocument/2006/relationships" xmlns:p="http://schemas.openxmlformats.org/presentationml/2006/main">
+  <p:cSld>
+    <p:spTree>
+      <p:nvGrpSpPr>
+        <p:cNvPr id="1" name=""/>
+        <p:cNvGrpSpPr/>
+        <p:nvPr/>
+      </p:nvGrpSpPr>
+      <p:grpSpPr>
+        <a:xfrm>
+          <a:off x="0" y="0"/>
+          <a:ext cx="0" cy="0"/>
+          <a:chOff x="0" y="0"/>
+          <a:chExt cx="0" cy="0"/>
+        </a:xfrm>
+      </p:grpSpPr>
+      <p:sp>
+        <p:nvSpPr>
+          <p:cNvPr id="2" name="Title 1">
+            <a:extLst>
+              <a:ext uri="{FF2B5EF4-FFF2-40B4-BE49-F238E27FC236}">
+                <a16:creationId xmlns:a16="http://schemas.microsoft.com/office/drawing/2014/main" id="{5D7253B5-A00B-884B-B94F-9633983D1F18}"/>
+              </a:ext>
+            </a:extLst>
+          </p:cNvPr>
+          <p:cNvSpPr>
+            <a:spLocks noGrp="1"/>
+          </p:cNvSpPr>
+          <p:nvPr>
+            <p:ph type="title"/>
+          </p:nvPr>
+        </p:nvSpPr>
+        <p:spPr/>
+        <p:txBody>
+          <a:bodyPr/>
+          <a:lstStyle/>
+          <a:p>
+            <a:r>
+              <a:rPr lang="en-US" dirty="0"/>
+              <a:t>Overview of Presentation</a:t>
+            </a:r>
+          </a:p>
+        </p:txBody>
+      </p:sp>
+      <p:sp>
+        <p:nvSpPr>
+          <p:cNvPr id="3" name="Content Placeholder 2">
+            <a:extLst>
+              <a:ext uri="{FF2B5EF4-FFF2-40B4-BE49-F238E27FC236}">
+                <a16:creationId xmlns:a16="http://schemas.microsoft.com/office/drawing/2014/main" id="{D7B0B7A9-50FA-E043-B203-402FE16C41CD}"/>
+              </a:ext>
+            </a:extLst>
+          </p:cNvPr>
+          <p:cNvSpPr>
+            <a:spLocks noGrp="1"/>
+          </p:cNvSpPr>
+          <p:nvPr>
+            <p:ph idx="1"/>
+          </p:nvPr>
+        </p:nvSpPr>
+        <p:spPr>
+          <a:xfrm>
+            <a:off x="1560443" y="2142067"/>
+            <a:ext cx="9256783" cy="3649133"/>
+          </a:xfrm>
+        </p:spPr>
+        <p:txBody>
+          <a:bodyPr>
+            <a:normAutofit/>
+          </a:bodyPr>
+          <a:lstStyle/>
+          <a:p>
+            <a:r>
+              <a:rPr lang="en-US" dirty="0">
+                <a:solidFill>
+                  <a:schemeClr val="tx1">
+                    <a:lumMod val="50000"/>
+                  </a:schemeClr>
+                </a:solidFill>
+              </a:rPr>
+              <a:t>Motivation</a:t>
+            </a:r>
+          </a:p>
+          <a:p>
+            <a:pPr lvl="1"/>
+            <a:r>
+              <a:rPr lang="en-US" dirty="0">
+                <a:solidFill>
+                  <a:schemeClr val="tx1">
+                    <a:lumMod val="50000"/>
+                  </a:schemeClr>
+                </a:solidFill>
+              </a:rPr>
+              <a:t>Research Goals</a:t>
+            </a:r>
+          </a:p>
+          <a:p>
+            <a:r>
+              <a:rPr lang="en-US" dirty="0">
+                <a:solidFill>
+                  <a:schemeClr val="tx1">
+                    <a:lumMod val="50000"/>
+                  </a:schemeClr>
+                </a:solidFill>
+              </a:rPr>
+              <a:t>Initial Experiments</a:t>
+            </a:r>
+          </a:p>
+          <a:p>
+            <a:pPr lvl="1"/>
+            <a:r>
+              <a:rPr lang="en-US" dirty="0">
+                <a:solidFill>
+                  <a:schemeClr val="tx1">
+                    <a:lumMod val="50000"/>
+                  </a:schemeClr>
+                </a:solidFill>
+              </a:rPr>
+              <a:t>Explaining the Data</a:t>
+            </a:r>
+          </a:p>
+          <a:p>
+            <a:pPr lvl="1"/>
+            <a:r>
+              <a:rPr lang="en-US" dirty="0">
+                <a:solidFill>
+                  <a:schemeClr val="tx1">
+                    <a:lumMod val="50000"/>
+                  </a:schemeClr>
+                </a:solidFill>
+              </a:rPr>
+              <a:t>Linear/Polynomial Regression</a:t>
+            </a:r>
+          </a:p>
+          <a:p>
+            <a:r>
+              <a:rPr lang="en-US" dirty="0">
+                <a:solidFill>
+                  <a:schemeClr val="tx1">
+                    <a:lumMod val="50000"/>
+                  </a:schemeClr>
+                </a:solidFill>
+              </a:rPr>
+              <a:t>Ridge Regression</a:t>
+            </a:r>
+          </a:p>
+          <a:p>
+            <a:pPr lvl="1"/>
+            <a:r>
+              <a:rPr lang="en-US" dirty="0">
+                <a:solidFill>
+                  <a:schemeClr val="tx1">
+                    <a:lumMod val="50000"/>
+                  </a:schemeClr>
+                </a:solidFill>
+              </a:rPr>
+              <a:t>Formula exploration</a:t>
+            </a:r>
+          </a:p>
+          <a:p>
+            <a:pPr lvl="1"/>
+            <a:r>
+              <a:rPr lang="en-US" dirty="0">
+                <a:solidFill>
+                  <a:schemeClr val="tx1">
+                    <a:lumMod val="50000"/>
+                  </a:schemeClr>
+                </a:solidFill>
+              </a:rPr>
+              <a:t>Results</a:t>
+            </a:r>
+          </a:p>
+          <a:p>
+            <a:r>
+              <a:rPr lang="en-US" dirty="0"/>
+              <a:t>Conclusion</a:t>
+            </a:r>
+          </a:p>
+        </p:txBody>
+      </p:sp>
+    </p:spTree>
+    <p:extLst>
+      <p:ext uri="{BB962C8B-B14F-4D97-AF65-F5344CB8AC3E}">
+        <p14:creationId xmlns:p14="http://schemas.microsoft.com/office/powerpoint/2010/main" val="3999337525"/>
+      </p:ext>
+    </p:extLst>
+  </p:cSld>
+  <p:clrMapOvr>
+    <a:masterClrMapping/>
+  </p:clrMapOvr>
+</p:sld>
+</file>
+
+<file path=ppt/slides/slide14.xml><?xml version="1.0" encoding="utf-8"?>
+<p:sld xmlns:a="http://schemas.openxmlformats.org/drawingml/2006/main" xmlns:r="http://schemas.openxmlformats.org/officeDocument/2006/relationships" xmlns:p="http://schemas.openxmlformats.org/presentationml/2006/main">
+  <p:cSld>
+    <p:spTree>
+      <p:nvGrpSpPr>
+        <p:cNvPr id="1" name=""/>
+        <p:cNvGrpSpPr/>
+        <p:nvPr/>
+      </p:nvGrpSpPr>
+      <p:grpSpPr>
+        <a:xfrm>
+          <a:off x="0" y="0"/>
+          <a:ext cx="0" cy="0"/>
+          <a:chOff x="0" y="0"/>
+          <a:chExt cx="0" cy="0"/>
+        </a:xfrm>
+      </p:grpSpPr>
+      <p:sp>
+        <p:nvSpPr>
+          <p:cNvPr id="2" name="Title 1">
+            <a:extLst>
+              <a:ext uri="{FF2B5EF4-FFF2-40B4-BE49-F238E27FC236}">
+                <a16:creationId xmlns:a16="http://schemas.microsoft.com/office/drawing/2014/main" id="{189CB780-8AC2-3E4C-B98A-2B0F2D65613B}"/>
+              </a:ext>
+            </a:extLst>
+          </p:cNvPr>
+          <p:cNvSpPr>
+            <a:spLocks noGrp="1"/>
+          </p:cNvSpPr>
+          <p:nvPr>
+            <p:ph type="title"/>
+          </p:nvPr>
+        </p:nvSpPr>
+        <p:spPr/>
+        <p:txBody>
+          <a:bodyPr/>
+          <a:lstStyle/>
+          <a:p>
+            <a:r>
+              <a:rPr lang="en-US" dirty="0"/>
+              <a:t>Conclusions</a:t>
+            </a:r>
+          </a:p>
+        </p:txBody>
+      </p:sp>
+      <p:sp>
+        <p:nvSpPr>
+          <p:cNvPr id="3" name="Content Placeholder 2">
+            <a:extLst>
+              <a:ext uri="{FF2B5EF4-FFF2-40B4-BE49-F238E27FC236}">
+                <a16:creationId xmlns:a16="http://schemas.microsoft.com/office/drawing/2014/main" id="{6205C4F4-DFA1-F343-AA2E-9177EA629512}"/>
+              </a:ext>
+            </a:extLst>
+          </p:cNvPr>
+          <p:cNvSpPr>
+            <a:spLocks noGrp="1"/>
+          </p:cNvSpPr>
+          <p:nvPr>
+            <p:ph idx="1"/>
+          </p:nvPr>
+        </p:nvSpPr>
+        <p:spPr/>
+        <p:txBody>
+          <a:bodyPr/>
+          <a:lstStyle/>
+          <a:p>
+            <a:endParaRPr lang="en-US"/>
+          </a:p>
+        </p:txBody>
+      </p:sp>
+    </p:spTree>
+    <p:extLst>
+      <p:ext uri="{BB962C8B-B14F-4D97-AF65-F5344CB8AC3E}">
+        <p14:creationId xmlns:p14="http://schemas.microsoft.com/office/powerpoint/2010/main" val="519343072"/>
+      </p:ext>
+    </p:extLst>
+  </p:cSld>
+  <p:clrMapOvr>
+    <a:masterClrMapping/>
+  </p:clrMapOvr>
+</p:sld>
+</file>
+
+<file path=ppt/slides/slide15.xml><?xml version="1.0" encoding="utf-8"?>
+<p:sld xmlns:a="http://schemas.openxmlformats.org/drawingml/2006/main" xmlns:r="http://schemas.openxmlformats.org/officeDocument/2006/relationships" xmlns:p="http://schemas.openxmlformats.org/presentationml/2006/main">
+  <p:cSld>
+    <p:spTree>
+      <p:nvGrpSpPr>
+        <p:cNvPr id="1" name=""/>
+        <p:cNvGrpSpPr/>
+        <p:nvPr/>
+      </p:nvGrpSpPr>
+      <p:grpSpPr>
+        <a:xfrm>
+          <a:off x="0" y="0"/>
+          <a:ext cx="0" cy="0"/>
+          <a:chOff x="0" y="0"/>
+          <a:chExt cx="0" cy="0"/>
+        </a:xfrm>
+      </p:grpSpPr>
+      <p:sp>
+        <p:nvSpPr>
+          <p:cNvPr id="2" name="Title 1">
+            <a:extLst>
+              <a:ext uri="{FF2B5EF4-FFF2-40B4-BE49-F238E27FC236}">
+                <a16:creationId xmlns:a16="http://schemas.microsoft.com/office/drawing/2014/main" id="{2711645A-DAF8-1948-B31E-6FF1C9E3358E}"/>
+              </a:ext>
+            </a:extLst>
+          </p:cNvPr>
+          <p:cNvSpPr>
+            <a:spLocks noGrp="1"/>
+          </p:cNvSpPr>
+          <p:nvPr>
+            <p:ph type="title"/>
+          </p:nvPr>
+        </p:nvSpPr>
+        <p:spPr/>
+        <p:txBody>
+          <a:bodyPr/>
+          <a:lstStyle/>
+          <a:p>
+            <a:r>
+              <a:rPr lang="en-US" dirty="0"/>
+              <a:t>References</a:t>
+            </a:r>
+          </a:p>
+        </p:txBody>
+      </p:sp>
+      <p:sp>
+        <p:nvSpPr>
+          <p:cNvPr id="3" name="Content Placeholder 2">
+            <a:extLst>
+              <a:ext uri="{FF2B5EF4-FFF2-40B4-BE49-F238E27FC236}">
+                <a16:creationId xmlns:a16="http://schemas.microsoft.com/office/drawing/2014/main" id="{B3417EDA-2C99-EF4E-AC69-0A4D49E23CD2}"/>
+              </a:ext>
+            </a:extLst>
+          </p:cNvPr>
+          <p:cNvSpPr>
+            <a:spLocks noGrp="1"/>
+          </p:cNvSpPr>
+          <p:nvPr>
+            <p:ph idx="1"/>
+          </p:nvPr>
+        </p:nvSpPr>
+        <p:spPr/>
+        <p:txBody>
+          <a:bodyPr/>
+          <a:lstStyle/>
+          <a:p>
+            <a:endParaRPr lang="en-US"/>
+          </a:p>
+        </p:txBody>
+      </p:sp>
+    </p:spTree>
+    <p:extLst>
+      <p:ext uri="{BB962C8B-B14F-4D97-AF65-F5344CB8AC3E}">
+        <p14:creationId xmlns:p14="http://schemas.microsoft.com/office/powerpoint/2010/main" val="72751578"/>
+      </p:ext>
+    </p:extLst>
+  </p:cSld>
+  <p:clrMapOvr>
+    <a:masterClrMapping/>
+  </p:clrMapOvr>
+</p:sld>
+</file>
+
+<file path=ppt/slides/slide2.xml><?xml version="1.0" encoding="utf-8"?>
+<p:sld xmlns:a="http://schemas.openxmlformats.org/drawingml/2006/main" xmlns:r="http://schemas.openxmlformats.org/officeDocument/2006/relationships" xmlns:p="http://schemas.openxmlformats.org/presentationml/2006/main">
+  <p:cSld>
+    <p:spTree>
+      <p:nvGrpSpPr>
+        <p:cNvPr id="1" name=""/>
+        <p:cNvGrpSpPr/>
+        <p:nvPr/>
+      </p:nvGrpSpPr>
+      <p:grpSpPr>
+        <a:xfrm>
+          <a:off x="0" y="0"/>
+          <a:ext cx="0" cy="0"/>
+          <a:chOff x="0" y="0"/>
+          <a:chExt cx="0" cy="0"/>
+        </a:xfrm>
+      </p:grpSpPr>
+      <p:sp>
+        <p:nvSpPr>
+          <p:cNvPr id="2" name="Title 1">
+            <a:extLst>
+              <a:ext uri="{FF2B5EF4-FFF2-40B4-BE49-F238E27FC236}">
+                <a16:creationId xmlns:a16="http://schemas.microsoft.com/office/drawing/2014/main" id="{5D7253B5-A00B-884B-B94F-9633983D1F18}"/>
+              </a:ext>
+            </a:extLst>
+          </p:cNvPr>
+          <p:cNvSpPr>
+            <a:spLocks noGrp="1"/>
+          </p:cNvSpPr>
+          <p:nvPr>
+            <p:ph type="title"/>
+          </p:nvPr>
+        </p:nvSpPr>
+        <p:spPr/>
+        <p:txBody>
+          <a:bodyPr/>
+          <a:lstStyle/>
+          <a:p>
+            <a:r>
+              <a:rPr lang="en-US" dirty="0"/>
+              <a:t>Overview of Presentation</a:t>
+            </a:r>
+          </a:p>
+        </p:txBody>
+      </p:sp>
+      <p:sp>
+        <p:nvSpPr>
+          <p:cNvPr id="3" name="Content Placeholder 2">
+            <a:extLst>
+              <a:ext uri="{FF2B5EF4-FFF2-40B4-BE49-F238E27FC236}">
+                <a16:creationId xmlns:a16="http://schemas.microsoft.com/office/drawing/2014/main" id="{D7B0B7A9-50FA-E043-B203-402FE16C41CD}"/>
+              </a:ext>
+            </a:extLst>
+          </p:cNvPr>
+          <p:cNvSpPr>
+            <a:spLocks noGrp="1"/>
+          </p:cNvSpPr>
+          <p:nvPr>
+            <p:ph idx="1"/>
+          </p:nvPr>
+        </p:nvSpPr>
+        <p:spPr>
+          <a:xfrm>
+            <a:off x="1560443" y="2142067"/>
+            <a:ext cx="9256783" cy="3649133"/>
+          </a:xfrm>
+        </p:spPr>
+        <p:txBody>
+          <a:bodyPr>
+            <a:normAutofit/>
+          </a:bodyPr>
+          <a:lstStyle/>
+          <a:p>
+            <a:r>
+              <a:rPr lang="en-US" dirty="0"/>
+              <a:t>Motivation</a:t>
+            </a:r>
+          </a:p>
+          <a:p>
+            <a:pPr lvl="1"/>
+            <a:r>
+              <a:rPr lang="en-US" dirty="0"/>
+              <a:t>Research Goals</a:t>
+            </a:r>
+          </a:p>
+          <a:p>
+            <a:r>
+              <a:rPr lang="en-US" dirty="0"/>
+              <a:t>Initial Experiments</a:t>
+            </a:r>
+          </a:p>
+          <a:p>
+            <a:pPr lvl="1"/>
+            <a:r>
+              <a:rPr lang="en-US" dirty="0"/>
+              <a:t>Explaining the Data</a:t>
+            </a:r>
+          </a:p>
+          <a:p>
+            <a:pPr lvl="1"/>
+            <a:r>
+              <a:rPr lang="en-US" dirty="0"/>
+              <a:t>Linear/Polynomial Regression</a:t>
+            </a:r>
+          </a:p>
+          <a:p>
+            <a:r>
+              <a:rPr lang="en-US" dirty="0"/>
+              <a:t>Ridge Regression</a:t>
+            </a:r>
+          </a:p>
+          <a:p>
+            <a:pPr lvl="1"/>
+            <a:r>
+              <a:rPr lang="en-US" dirty="0"/>
+              <a:t>Formula exploration</a:t>
+            </a:r>
+          </a:p>
+          <a:p>
+            <a:pPr lvl="1"/>
+            <a:r>
+              <a:rPr lang="en-US" dirty="0"/>
+              <a:t>Results</a:t>
+            </a:r>
+          </a:p>
+          <a:p>
+            <a:r>
+              <a:rPr lang="en-US" dirty="0"/>
+              <a:t>Conclusion</a:t>
+            </a:r>
+          </a:p>
+        </p:txBody>
+      </p:sp>
+    </p:spTree>
+    <p:extLst>
+      <p:ext uri="{BB962C8B-B14F-4D97-AF65-F5344CB8AC3E}">
+        <p14:creationId xmlns:p14="http://schemas.microsoft.com/office/powerpoint/2010/main" val="4171725286"/>
+      </p:ext>
+    </p:extLst>
+  </p:cSld>
+  <p:clrMapOvr>
+    <a:masterClrMapping/>
+  </p:clrMapOvr>
+</p:sld>
+</file>
+
+<file path=ppt/slides/slide3.xml><?xml version="1.0" encoding="utf-8"?>
+<p:sld xmlns:a="http://schemas.openxmlformats.org/drawingml/2006/main" xmlns:r="http://schemas.openxmlformats.org/officeDocument/2006/relationships" xmlns:p="http://schemas.openxmlformats.org/presentationml/2006/main">
+  <p:cSld>
+    <p:bg>
+      <p:bgPr>
+        <a:blipFill>
+          <a:blip r:embed="rId2"/>
+          <a:stretch/>
+        </a:blipFill>
+        <a:effectLst/>
+      </p:bgPr>
+    </p:bg>
+    <p:spTree>
+      <p:nvGrpSpPr>
+        <p:cNvPr id="1" name=""/>
+        <p:cNvGrpSpPr/>
+        <p:nvPr/>
+      </p:nvGrpSpPr>
+      <p:grpSpPr>
+        <a:xfrm>
+          <a:off x="0" y="0"/>
+          <a:ext cx="0" cy="0"/>
+          <a:chOff x="0" y="0"/>
+          <a:chExt cx="0" cy="0"/>
+        </a:xfrm>
+      </p:grpSpPr>
+      <p:sp>
+        <p:nvSpPr>
+          <p:cNvPr id="2" name="Title 1">
+            <a:extLst>
+              <a:ext uri="{FF2B5EF4-FFF2-40B4-BE49-F238E27FC236}">
+                <a16:creationId xmlns:a16="http://schemas.microsoft.com/office/drawing/2014/main" id="{6305CC6D-E322-A742-83B2-74BA823B4EAB}"/>
+              </a:ext>
+            </a:extLst>
+          </p:cNvPr>
+          <p:cNvSpPr>
+            <a:spLocks noGrp="1"/>
+          </p:cNvSpPr>
+          <p:nvPr>
+            <p:ph type="title"/>
+          </p:nvPr>
+        </p:nvSpPr>
+        <p:spPr>
+          <a:xfrm>
+            <a:off x="685801" y="609600"/>
+            <a:ext cx="5219699" cy="1456267"/>
+          </a:xfrm>
+        </p:spPr>
+        <p:txBody>
+          <a:bodyPr>
+            <a:normAutofit/>
+          </a:bodyPr>
+          <a:lstStyle/>
+          <a:p>
+            <a:r>
+              <a:rPr lang="en-US" dirty="0"/>
+              <a:t>Why fantasy football?</a:t>
+            </a:r>
+          </a:p>
+        </p:txBody>
+      </p:sp>
+      <p:sp>
+        <p:nvSpPr>
+          <p:cNvPr id="3" name="Content Placeholder 2">
+            <a:extLst>
+              <a:ext uri="{FF2B5EF4-FFF2-40B4-BE49-F238E27FC236}">
+                <a16:creationId xmlns:a16="http://schemas.microsoft.com/office/drawing/2014/main" id="{011E53FD-50B0-2E4A-ADE9-E324C8E283E3}"/>
+              </a:ext>
+            </a:extLst>
+          </p:cNvPr>
+          <p:cNvSpPr>
+            <a:spLocks noGrp="1"/>
+          </p:cNvSpPr>
+          <p:nvPr>
+            <p:ph idx="1"/>
+          </p:nvPr>
+        </p:nvSpPr>
+        <p:spPr>
+          <a:xfrm>
+            <a:off x="685801" y="2142067"/>
+            <a:ext cx="5219699" cy="3649133"/>
+          </a:xfrm>
+        </p:spPr>
+        <p:txBody>
+          <a:bodyPr>
+            <a:normAutofit/>
+          </a:bodyPr>
+          <a:lstStyle/>
+          <a:p>
+            <a:r>
+              <a:rPr lang="en-US" dirty="0"/>
+              <a:t>Familiarity with dataset</a:t>
+            </a:r>
+          </a:p>
+          <a:p>
+            <a:pPr lvl="1"/>
+            <a:r>
+              <a:rPr lang="en-US" dirty="0"/>
+              <a:t>Longtime football fans</a:t>
+            </a:r>
+          </a:p>
+          <a:p>
+            <a:r>
+              <a:rPr lang="en-US" dirty="0"/>
+              <a:t>Personal application of results</a:t>
+            </a:r>
+          </a:p>
+          <a:p>
+            <a:pPr lvl="1"/>
+            <a:r>
+              <a:rPr lang="en-US" dirty="0"/>
+              <a:t>Both of us participate in fantasy football leagues</a:t>
+            </a:r>
+          </a:p>
+          <a:p>
+            <a:r>
+              <a:rPr lang="en-US" dirty="0"/>
+              <a:t>Availability of data</a:t>
+            </a:r>
+          </a:p>
+          <a:p>
+            <a:pPr lvl="1"/>
+            <a:r>
+              <a:rPr lang="en-US" dirty="0" err="1"/>
+              <a:t>Fantasyfootballdatapros.com</a:t>
+            </a:r>
+            <a:r>
+              <a:rPr lang="en-US" dirty="0"/>
+              <a:t> has data all the way back to 1970</a:t>
+            </a:r>
+          </a:p>
+        </p:txBody>
+      </p:sp>
+      <p:pic>
+        <p:nvPicPr>
+          <p:cNvPr id="5" name="Picture 4" descr="Logo&#10;&#10;Description automatically generated">
+            <a:extLst>
+              <a:ext uri="{FF2B5EF4-FFF2-40B4-BE49-F238E27FC236}">
+                <a16:creationId xmlns:a16="http://schemas.microsoft.com/office/drawing/2014/main" id="{6592F2C8-7C6B-634A-B36B-4AAE7C1BB1A5}"/>
+              </a:ext>
+            </a:extLst>
+          </p:cNvPr>
+          <p:cNvPicPr>
+            <a:picLocks noChangeAspect="1"/>
+          </p:cNvPicPr>
+          <p:nvPr/>
+        </p:nvPicPr>
+        <p:blipFill rotWithShape="1">
+          <a:blip r:embed="rId3"/>
+          <a:srcRect l="20320" r="21324" b="2"/>
+          <a:stretch/>
+        </p:blipFill>
+        <p:spPr>
+          <a:xfrm>
+            <a:off x="6198830" y="639097"/>
+            <a:ext cx="5447070" cy="5250425"/>
+          </a:xfrm>
+          <a:prstGeom prst="roundRect">
+            <a:avLst>
+              <a:gd name="adj" fmla="val 4380"/>
+            </a:avLst>
+          </a:prstGeom>
+          <a:ln w="50800" cap="sq" cmpd="dbl">
+            <a:gradFill flip="none" rotWithShape="1">
+              <a:gsLst>
+                <a:gs pos="0">
+                  <a:srgbClr val="FFFFFF"/>
+                </a:gs>
+                <a:gs pos="100000">
+                  <a:schemeClr val="tx1">
+                    <a:alpha val="0"/>
+                  </a:schemeClr>
+                </a:gs>
+              </a:gsLst>
+              <a:path path="circle">
+                <a:fillToRect l="50000" t="50000" r="50000" b="50000"/>
+              </a:path>
+              <a:tileRect/>
+            </a:gradFill>
+            <a:miter lim="800000"/>
+          </a:ln>
+          <a:effectLst>
+            <a:outerShdw blurRad="254000" algn="tl" rotWithShape="0">
+              <a:srgbClr val="000000">
+                <a:alpha val="43000"/>
+              </a:srgbClr>
+            </a:outerShdw>
+          </a:effectLst>
+        </p:spPr>
+      </p:pic>
+    </p:spTree>
+    <p:extLst>
+      <p:ext uri="{BB962C8B-B14F-4D97-AF65-F5344CB8AC3E}">
+        <p14:creationId xmlns:p14="http://schemas.microsoft.com/office/powerpoint/2010/main" val="3658748850"/>
+      </p:ext>
+    </p:extLst>
+  </p:cSld>
+  <p:clrMapOvr>
+    <a:masterClrMapping/>
+  </p:clrMapOvr>
+</p:sld>
+</file>
+
+<file path=ppt/slides/slide4.xml><?xml version="1.0" encoding="utf-8"?>
+<p:sld xmlns:a="http://schemas.openxmlformats.org/drawingml/2006/main" xmlns:r="http://schemas.openxmlformats.org/officeDocument/2006/relationships" xmlns:p="http://schemas.openxmlformats.org/presentationml/2006/main">
+  <p:cSld>
+    <p:bg>
+      <p:bgPr>
+        <a:blipFill>
+          <a:blip r:embed="rId2"/>
+          <a:stretch/>
+        </a:blipFill>
+        <a:effectLst/>
+      </p:bgPr>
+    </p:bg>
+    <p:spTree>
+      <p:nvGrpSpPr>
+        <p:cNvPr id="1" name=""/>
+        <p:cNvGrpSpPr/>
+        <p:nvPr/>
+      </p:nvGrpSpPr>
+      <p:grpSpPr>
+        <a:xfrm>
+          <a:off x="0" y="0"/>
+          <a:ext cx="0" cy="0"/>
+          <a:chOff x="0" y="0"/>
+          <a:chExt cx="0" cy="0"/>
+        </a:xfrm>
+      </p:grpSpPr>
+      <p:sp>
+        <p:nvSpPr>
+          <p:cNvPr id="2" name="Title 1">
+            <a:extLst>
+              <a:ext uri="{FF2B5EF4-FFF2-40B4-BE49-F238E27FC236}">
+                <a16:creationId xmlns:a16="http://schemas.microsoft.com/office/drawing/2014/main" id="{747940B4-7C66-B24E-BABA-BD4D384C7FD0}"/>
+              </a:ext>
+            </a:extLst>
+          </p:cNvPr>
+          <p:cNvSpPr>
+            <a:spLocks noGrp="1"/>
+          </p:cNvSpPr>
+          <p:nvPr>
+            <p:ph type="title"/>
+          </p:nvPr>
+        </p:nvSpPr>
+        <p:spPr>
+          <a:xfrm>
+            <a:off x="4955458" y="639097"/>
+            <a:ext cx="6593075" cy="1612490"/>
+          </a:xfrm>
+        </p:spPr>
+        <p:txBody>
+          <a:bodyPr>
+            <a:normAutofit/>
+          </a:bodyPr>
+          <a:lstStyle/>
+          <a:p>
+            <a:r>
+              <a:rPr lang="en-US" dirty="0"/>
+              <a:t>Research goals</a:t>
+            </a:r>
+          </a:p>
+        </p:txBody>
+      </p:sp>
+      <p:pic>
+        <p:nvPicPr>
+          <p:cNvPr id="5" name="Picture 4" descr="Table&#10;&#10;Description automatically generated">
+            <a:extLst>
+              <a:ext uri="{FF2B5EF4-FFF2-40B4-BE49-F238E27FC236}">
+                <a16:creationId xmlns:a16="http://schemas.microsoft.com/office/drawing/2014/main" id="{B805DE38-8D1C-454C-8C60-78980217AD94}"/>
+              </a:ext>
+            </a:extLst>
+          </p:cNvPr>
+          <p:cNvPicPr>
+            <a:picLocks noChangeAspect="1"/>
+          </p:cNvPicPr>
+          <p:nvPr/>
+        </p:nvPicPr>
+        <p:blipFill>
+          <a:blip r:embed="rId3"/>
+          <a:stretch>
+            <a:fillRect/>
+          </a:stretch>
+        </p:blipFill>
+        <p:spPr>
+          <a:xfrm>
+            <a:off x="1025268" y="639097"/>
+            <a:ext cx="3233754" cy="5575439"/>
+          </a:xfrm>
+          <a:prstGeom prst="roundRect">
+            <a:avLst>
+              <a:gd name="adj" fmla="val 4380"/>
+            </a:avLst>
+          </a:prstGeom>
+          <a:ln w="50800" cap="sq" cmpd="dbl">
+            <a:gradFill flip="none" rotWithShape="1">
+              <a:gsLst>
+                <a:gs pos="0">
+                  <a:srgbClr val="FFFFFF"/>
+                </a:gs>
+                <a:gs pos="100000">
+                  <a:schemeClr val="tx1">
+                    <a:alpha val="0"/>
+                  </a:schemeClr>
+                </a:gs>
+              </a:gsLst>
+              <a:path path="circle">
+                <a:fillToRect l="50000" t="50000" r="50000" b="50000"/>
+              </a:path>
+              <a:tileRect/>
+            </a:gradFill>
+            <a:miter lim="800000"/>
+          </a:ln>
+          <a:effectLst>
+            <a:outerShdw blurRad="254000" algn="tl" rotWithShape="0">
+              <a:srgbClr val="000000">
+                <a:alpha val="43000"/>
+              </a:srgbClr>
+            </a:outerShdw>
+          </a:effectLst>
+        </p:spPr>
+      </p:pic>
+      <p:sp>
+        <p:nvSpPr>
+          <p:cNvPr id="3" name="Content Placeholder 2">
+            <a:extLst>
+              <a:ext uri="{FF2B5EF4-FFF2-40B4-BE49-F238E27FC236}">
+                <a16:creationId xmlns:a16="http://schemas.microsoft.com/office/drawing/2014/main" id="{094EC77A-8F3E-CA48-89DE-88B546387B43}"/>
+              </a:ext>
+            </a:extLst>
+          </p:cNvPr>
+          <p:cNvSpPr>
+            <a:spLocks noGrp="1"/>
+          </p:cNvSpPr>
+          <p:nvPr>
+            <p:ph idx="1"/>
+          </p:nvPr>
+        </p:nvSpPr>
+        <p:spPr>
+          <a:xfrm>
+            <a:off x="4955458" y="2251587"/>
+            <a:ext cx="6593075" cy="3972232"/>
+          </a:xfrm>
+        </p:spPr>
+        <p:txBody>
+          <a:bodyPr>
+            <a:normAutofit/>
+          </a:bodyPr>
+          <a:lstStyle/>
+          <a:p>
+            <a:r>
+              <a:rPr lang="en-US" dirty="0"/>
+              <a:t>Predict future player performance based on player statistics and league-wide trends</a:t>
+            </a:r>
+          </a:p>
+          <a:p>
+            <a:r>
+              <a:rPr lang="en-US" dirty="0"/>
+              <a:t>Apply techniques from class to compare accuracies of different prediction models</a:t>
+            </a:r>
+          </a:p>
+          <a:p>
+            <a:r>
+              <a:rPr lang="en-US" dirty="0"/>
+              <a:t>Gain insight into fantasy football trends we may not have seen</a:t>
+            </a:r>
+          </a:p>
+        </p:txBody>
+      </p:sp>
+    </p:spTree>
+    <p:extLst>
+      <p:ext uri="{BB962C8B-B14F-4D97-AF65-F5344CB8AC3E}">
+        <p14:creationId xmlns:p14="http://schemas.microsoft.com/office/powerpoint/2010/main" val="4108440633"/>
+      </p:ext>
+    </p:extLst>
+  </p:cSld>
+  <p:clrMapOvr>
+    <a:masterClrMapping/>
+  </p:clrMapOvr>
+</p:sld>
+</file>
+
+<file path=ppt/slides/slide5.xml><?xml version="1.0" encoding="utf-8"?>
+<p:sld xmlns:a="http://schemas.openxmlformats.org/drawingml/2006/main" xmlns:r="http://schemas.openxmlformats.org/officeDocument/2006/relationships" xmlns:p="http://schemas.openxmlformats.org/presentationml/2006/main">
+  <p:cSld>
+    <p:spTree>
+      <p:nvGrpSpPr>
+        <p:cNvPr id="1" name=""/>
+        <p:cNvGrpSpPr/>
+        <p:nvPr/>
+      </p:nvGrpSpPr>
+      <p:grpSpPr>
+        <a:xfrm>
+          <a:off x="0" y="0"/>
+          <a:ext cx="0" cy="0"/>
+          <a:chOff x="0" y="0"/>
+          <a:chExt cx="0" cy="0"/>
+        </a:xfrm>
+      </p:grpSpPr>
+      <p:sp>
+        <p:nvSpPr>
+          <p:cNvPr id="2" name="Title 1">
+            <a:extLst>
+              <a:ext uri="{FF2B5EF4-FFF2-40B4-BE49-F238E27FC236}">
+                <a16:creationId xmlns:a16="http://schemas.microsoft.com/office/drawing/2014/main" id="{5D7253B5-A00B-884B-B94F-9633983D1F18}"/>
+              </a:ext>
+            </a:extLst>
+          </p:cNvPr>
+          <p:cNvSpPr>
+            <a:spLocks noGrp="1"/>
+          </p:cNvSpPr>
+          <p:nvPr>
+            <p:ph type="title"/>
+          </p:nvPr>
+        </p:nvSpPr>
+        <p:spPr/>
+        <p:txBody>
+          <a:bodyPr/>
+          <a:lstStyle/>
+          <a:p>
+            <a:r>
+              <a:rPr lang="en-US" dirty="0"/>
+              <a:t>Overview of Presentation</a:t>
+            </a:r>
+          </a:p>
+        </p:txBody>
+      </p:sp>
+      <p:sp>
+        <p:nvSpPr>
+          <p:cNvPr id="3" name="Content Placeholder 2">
+            <a:extLst>
+              <a:ext uri="{FF2B5EF4-FFF2-40B4-BE49-F238E27FC236}">
+                <a16:creationId xmlns:a16="http://schemas.microsoft.com/office/drawing/2014/main" id="{D7B0B7A9-50FA-E043-B203-402FE16C41CD}"/>
+              </a:ext>
+            </a:extLst>
+          </p:cNvPr>
+          <p:cNvSpPr>
+            <a:spLocks noGrp="1"/>
+          </p:cNvSpPr>
+          <p:nvPr>
+            <p:ph idx="1"/>
+          </p:nvPr>
+        </p:nvSpPr>
+        <p:spPr>
+          <a:xfrm>
+            <a:off x="1560443" y="2142067"/>
+            <a:ext cx="9256783" cy="3649133"/>
+          </a:xfrm>
+        </p:spPr>
+        <p:txBody>
+          <a:bodyPr/>
+          <a:lstStyle/>
+          <a:p>
+            <a:r>
+              <a:rPr lang="en-US" dirty="0">
+                <a:solidFill>
+                  <a:schemeClr val="tx1">
+                    <a:lumMod val="50000"/>
+                  </a:schemeClr>
+                </a:solidFill>
+              </a:rPr>
+              <a:t>Motivation</a:t>
+            </a:r>
+          </a:p>
+          <a:p>
+            <a:pPr lvl="1"/>
+            <a:r>
+              <a:rPr lang="en-US" dirty="0">
+                <a:solidFill>
+                  <a:schemeClr val="tx1">
+                    <a:lumMod val="50000"/>
+                  </a:schemeClr>
+                </a:solidFill>
+              </a:rPr>
+              <a:t>Research Goals</a:t>
+            </a:r>
+          </a:p>
+          <a:p>
+            <a:r>
+              <a:rPr lang="en-US" dirty="0"/>
+              <a:t>Initial Experiments</a:t>
+            </a:r>
+          </a:p>
+          <a:p>
+            <a:pPr lvl="1"/>
+            <a:r>
+              <a:rPr lang="en-US" dirty="0"/>
+              <a:t>Explaining the Dataset</a:t>
+            </a:r>
+          </a:p>
+          <a:p>
+            <a:pPr lvl="1"/>
+            <a:r>
+              <a:rPr lang="en-US" dirty="0"/>
+              <a:t>Linear/Polynomial Regression</a:t>
+            </a:r>
+          </a:p>
+          <a:p>
+            <a:r>
+              <a:rPr lang="en-US" dirty="0">
+                <a:solidFill>
+                  <a:schemeClr val="tx1">
+                    <a:lumMod val="50000"/>
+                  </a:schemeClr>
+                </a:solidFill>
+              </a:rPr>
+              <a:t>Ridge Regression</a:t>
+            </a:r>
+          </a:p>
+          <a:p>
+            <a:pPr lvl="1"/>
+            <a:r>
+              <a:rPr lang="en-US" dirty="0">
+                <a:solidFill>
+                  <a:schemeClr val="tx1">
+                    <a:lumMod val="50000"/>
+                  </a:schemeClr>
+                </a:solidFill>
+              </a:rPr>
+              <a:t>Formula exploration</a:t>
+            </a:r>
+          </a:p>
+          <a:p>
+            <a:pPr lvl="1"/>
+            <a:r>
+              <a:rPr lang="en-US" dirty="0">
+                <a:solidFill>
+                  <a:schemeClr val="tx1">
+                    <a:lumMod val="50000"/>
+                  </a:schemeClr>
+                </a:solidFill>
+              </a:rPr>
+              <a:t>Results</a:t>
+            </a:r>
+          </a:p>
+          <a:p>
+            <a:r>
+              <a:rPr lang="en-US" dirty="0">
+                <a:solidFill>
+                  <a:schemeClr val="tx1">
+                    <a:lumMod val="50000"/>
+                  </a:schemeClr>
+                </a:solidFill>
+              </a:rPr>
+              <a:t>Conclusion</a:t>
+            </a:r>
+          </a:p>
+        </p:txBody>
+      </p:sp>
+    </p:spTree>
+    <p:extLst>
+      <p:ext uri="{BB962C8B-B14F-4D97-AF65-F5344CB8AC3E}">
+        <p14:creationId xmlns:p14="http://schemas.microsoft.com/office/powerpoint/2010/main" val="3164402429"/>
+      </p:ext>
+    </p:extLst>
+  </p:cSld>
+  <p:clrMapOvr>
+    <a:masterClrMapping/>
+  </p:clrMapOvr>
+</p:sld>
+</file>
+
+<file path=ppt/slides/slide6.xml><?xml version="1.0" encoding="utf-8"?>
+<p:sld xmlns:a="http://schemas.openxmlformats.org/drawingml/2006/main" xmlns:r="http://schemas.openxmlformats.org/officeDocument/2006/relationships" xmlns:p="http://schemas.openxmlformats.org/presentationml/2006/main">
+  <p:cSld>
+    <p:spTree>
+      <p:nvGrpSpPr>
+        <p:cNvPr id="1" name=""/>
+        <p:cNvGrpSpPr/>
+        <p:nvPr/>
+      </p:nvGrpSpPr>
+      <p:grpSpPr>
+        <a:xfrm>
+          <a:off x="0" y="0"/>
+          <a:ext cx="0" cy="0"/>
+          <a:chOff x="0" y="0"/>
+          <a:chExt cx="0" cy="0"/>
+        </a:xfrm>
+      </p:grpSpPr>
+      <p:sp>
+        <p:nvSpPr>
+          <p:cNvPr id="2" name="Title 1">
+            <a:extLst>
+              <a:ext uri="{FF2B5EF4-FFF2-40B4-BE49-F238E27FC236}">
+                <a16:creationId xmlns:a16="http://schemas.microsoft.com/office/drawing/2014/main" id="{857E34F2-9F2A-7F49-8C27-267160A20147}"/>
+              </a:ext>
+            </a:extLst>
+          </p:cNvPr>
+          <p:cNvSpPr>
+            <a:spLocks noGrp="1"/>
+          </p:cNvSpPr>
+          <p:nvPr>
+            <p:ph type="title"/>
+          </p:nvPr>
+        </p:nvSpPr>
+        <p:spPr/>
+        <p:txBody>
+          <a:bodyPr/>
+          <a:lstStyle/>
+          <a:p>
+            <a:r>
+              <a:rPr lang="en-US" dirty="0"/>
+              <a:t>The Data</a:t>
+            </a:r>
+          </a:p>
+        </p:txBody>
+      </p:sp>
+      <p:sp>
+        <p:nvSpPr>
+          <p:cNvPr id="3" name="Content Placeholder 2">
+            <a:extLst>
+              <a:ext uri="{FF2B5EF4-FFF2-40B4-BE49-F238E27FC236}">
+                <a16:creationId xmlns:a16="http://schemas.microsoft.com/office/drawing/2014/main" id="{A1677B36-8317-0F4A-BD6E-93F80F95193A}"/>
+              </a:ext>
+            </a:extLst>
+          </p:cNvPr>
+          <p:cNvSpPr>
+            <a:spLocks noGrp="1"/>
+          </p:cNvSpPr>
+          <p:nvPr>
+            <p:ph idx="1"/>
+          </p:nvPr>
+        </p:nvSpPr>
+        <p:spPr/>
+        <p:txBody>
+          <a:bodyPr/>
+          <a:lstStyle/>
+          <a:p>
+            <a:r>
+              <a:rPr lang="en-US" dirty="0"/>
+              <a:t>Consider the data</a:t>
+            </a:r>
+          </a:p>
+          <a:p>
+            <a:pPr lvl="1"/>
+            <a:r>
+              <a:rPr lang="en-US" dirty="0"/>
+              <a:t>Only including stats after 1992</a:t>
+            </a:r>
+          </a:p>
+          <a:p>
+            <a:pPr lvl="1"/>
+            <a:r>
+              <a:rPr lang="en-US" dirty="0"/>
+              <a:t>Many interesting </a:t>
+            </a:r>
+            <a:r>
+              <a:rPr lang="en-US" dirty="0" err="1"/>
+              <a:t>experiements</a:t>
+            </a:r>
+            <a:r>
+              <a:rPr lang="en-US" dirty="0"/>
+              <a:t> – narrow field of focus</a:t>
+            </a:r>
+          </a:p>
+        </p:txBody>
+      </p:sp>
+    </p:spTree>
+    <p:extLst>
+      <p:ext uri="{BB962C8B-B14F-4D97-AF65-F5344CB8AC3E}">
+        <p14:creationId xmlns:p14="http://schemas.microsoft.com/office/powerpoint/2010/main" val="4090077375"/>
+      </p:ext>
+    </p:extLst>
+  </p:cSld>
+  <p:clrMapOvr>
+    <a:masterClrMapping/>
+  </p:clrMapOvr>
+</p:sld>
+</file>
+
+<file path=ppt/slides/slide7.xml><?xml version="1.0" encoding="utf-8"?>
+<p:sld xmlns:a="http://schemas.openxmlformats.org/drawingml/2006/main" xmlns:r="http://schemas.openxmlformats.org/officeDocument/2006/relationships" xmlns:p="http://schemas.openxmlformats.org/presentationml/2006/main">
+  <p:cSld>
+    <p:spTree>
+      <p:nvGrpSpPr>
+        <p:cNvPr id="1" name=""/>
+        <p:cNvGrpSpPr/>
+        <p:nvPr/>
+      </p:nvGrpSpPr>
+      <p:grpSpPr>
+        <a:xfrm>
+          <a:off x="0" y="0"/>
+          <a:ext cx="0" cy="0"/>
+          <a:chOff x="0" y="0"/>
+          <a:chExt cx="0" cy="0"/>
+        </a:xfrm>
+      </p:grpSpPr>
+      <p:sp>
+        <p:nvSpPr>
+          <p:cNvPr id="2" name="Title 1">
+            <a:extLst>
+              <a:ext uri="{FF2B5EF4-FFF2-40B4-BE49-F238E27FC236}">
+                <a16:creationId xmlns:a16="http://schemas.microsoft.com/office/drawing/2014/main" id="{A6F0B611-B040-0D43-B0F7-D98E3F6571BF}"/>
+              </a:ext>
+            </a:extLst>
+          </p:cNvPr>
+          <p:cNvSpPr>
+            <a:spLocks noGrp="1"/>
+          </p:cNvSpPr>
+          <p:nvPr>
+            <p:ph type="title"/>
+          </p:nvPr>
+        </p:nvSpPr>
+        <p:spPr/>
+        <p:txBody>
+          <a:bodyPr/>
+          <a:lstStyle/>
+          <a:p>
+            <a:r>
+              <a:rPr lang="en-US" dirty="0"/>
+              <a:t>Linear Regression</a:t>
+            </a:r>
+          </a:p>
+        </p:txBody>
+      </p:sp>
+      <p:sp>
+        <p:nvSpPr>
+          <p:cNvPr id="3" name="Content Placeholder 2">
+            <a:extLst>
+              <a:ext uri="{FF2B5EF4-FFF2-40B4-BE49-F238E27FC236}">
+                <a16:creationId xmlns:a16="http://schemas.microsoft.com/office/drawing/2014/main" id="{0186E1AF-C86C-5C4D-9005-B36A8A21283D}"/>
+              </a:ext>
+            </a:extLst>
+          </p:cNvPr>
+          <p:cNvSpPr>
+            <a:spLocks noGrp="1"/>
+          </p:cNvSpPr>
+          <p:nvPr>
+            <p:ph idx="1"/>
+          </p:nvPr>
+        </p:nvSpPr>
+        <p:spPr/>
+        <p:txBody>
+          <a:bodyPr/>
+          <a:lstStyle/>
+          <a:p>
+            <a:endParaRPr lang="en-US"/>
+          </a:p>
+        </p:txBody>
+      </p:sp>
+    </p:spTree>
+    <p:extLst>
+      <p:ext uri="{BB962C8B-B14F-4D97-AF65-F5344CB8AC3E}">
+        <p14:creationId xmlns:p14="http://schemas.microsoft.com/office/powerpoint/2010/main" val="3980056383"/>
+      </p:ext>
+    </p:extLst>
+  </p:cSld>
+  <p:clrMapOvr>
+    <a:masterClrMapping/>
+  </p:clrMapOvr>
+</p:sld>
+</file>
+
+<file path=ppt/slides/slide8.xml><?xml version="1.0" encoding="utf-8"?>
+<p:sld xmlns:a="http://schemas.openxmlformats.org/drawingml/2006/main" xmlns:r="http://schemas.openxmlformats.org/officeDocument/2006/relationships" xmlns:p="http://schemas.openxmlformats.org/presentationml/2006/main">
+  <p:cSld>
+    <p:spTree>
+      <p:nvGrpSpPr>
+        <p:cNvPr id="1" name=""/>
+        <p:cNvGrpSpPr/>
+        <p:nvPr/>
+      </p:nvGrpSpPr>
+      <p:grpSpPr>
+        <a:xfrm>
+          <a:off x="0" y="0"/>
+          <a:ext cx="0" cy="0"/>
+          <a:chOff x="0" y="0"/>
+          <a:chExt cx="0" cy="0"/>
+        </a:xfrm>
+      </p:grpSpPr>
+      <p:sp>
+        <p:nvSpPr>
+          <p:cNvPr id="2" name="Title 1">
+            <a:extLst>
+              <a:ext uri="{FF2B5EF4-FFF2-40B4-BE49-F238E27FC236}">
+                <a16:creationId xmlns:a16="http://schemas.microsoft.com/office/drawing/2014/main" id="{04DA373F-6C8D-6E42-AC42-3BB378CF0AF1}"/>
+              </a:ext>
+            </a:extLst>
+          </p:cNvPr>
+          <p:cNvSpPr>
+            <a:spLocks noGrp="1"/>
+          </p:cNvSpPr>
+          <p:nvPr>
+            <p:ph type="title"/>
+          </p:nvPr>
+        </p:nvSpPr>
+        <p:spPr/>
+        <p:txBody>
+          <a:bodyPr/>
+          <a:lstStyle/>
+          <a:p>
+            <a:r>
+              <a:rPr lang="en-US" dirty="0"/>
+              <a:t>Polynomial </a:t>
+            </a:r>
+            <a:r>
+              <a:rPr lang="en-US" dirty="0" err="1"/>
+              <a:t>REgression</a:t>
+            </a:r>
+            <a:endParaRPr lang="en-US" dirty="0"/>
+          </a:p>
+        </p:txBody>
+      </p:sp>
+      <p:sp>
+        <p:nvSpPr>
+          <p:cNvPr id="3" name="Content Placeholder 2">
+            <a:extLst>
+              <a:ext uri="{FF2B5EF4-FFF2-40B4-BE49-F238E27FC236}">
+                <a16:creationId xmlns:a16="http://schemas.microsoft.com/office/drawing/2014/main" id="{6B72FDB1-60C9-8F42-A411-0902A6906DC3}"/>
+              </a:ext>
+            </a:extLst>
+          </p:cNvPr>
+          <p:cNvSpPr>
+            <a:spLocks noGrp="1"/>
+          </p:cNvSpPr>
+          <p:nvPr>
+            <p:ph idx="1"/>
+          </p:nvPr>
+        </p:nvSpPr>
+        <p:spPr/>
+        <p:txBody>
+          <a:bodyPr/>
+          <a:lstStyle/>
+          <a:p>
+            <a:endParaRPr lang="en-US"/>
+          </a:p>
+        </p:txBody>
+      </p:sp>
+    </p:spTree>
+    <p:extLst>
+      <p:ext uri="{BB962C8B-B14F-4D97-AF65-F5344CB8AC3E}">
+        <p14:creationId xmlns:p14="http://schemas.microsoft.com/office/powerpoint/2010/main" val="1525453380"/>
+      </p:ext>
+    </p:extLst>
+  </p:cSld>
+  <p:clrMapOvr>
+    <a:masterClrMapping/>
+  </p:clrMapOvr>
+</p:sld>
+</file>
+
+<file path=ppt/slides/slide9.xml><?xml version="1.0" encoding="utf-8"?>
+<p:sld xmlns:a="http://schemas.openxmlformats.org/drawingml/2006/main" xmlns:r="http://schemas.openxmlformats.org/officeDocument/2006/relationships" xmlns:p="http://schemas.openxmlformats.org/presentationml/2006/main">
+  <p:cSld>
+    <p:spTree>
+      <p:nvGrpSpPr>
+        <p:cNvPr id="1" name=""/>
+        <p:cNvGrpSpPr/>
+        <p:nvPr/>
+      </p:nvGrpSpPr>
+      <p:grpSpPr>
+        <a:xfrm>
+          <a:off x="0" y="0"/>
+          <a:ext cx="0" cy="0"/>
+          <a:chOff x="0" y="0"/>
+          <a:chExt cx="0" cy="0"/>
+        </a:xfrm>
+      </p:grpSpPr>
+      <p:sp>
+        <p:nvSpPr>
+          <p:cNvPr id="2" name="Title 1">
+            <a:extLst>
+              <a:ext uri="{FF2B5EF4-FFF2-40B4-BE49-F238E27FC236}">
+                <a16:creationId xmlns:a16="http://schemas.microsoft.com/office/drawing/2014/main" id="{5D7253B5-A00B-884B-B94F-9633983D1F18}"/>
+              </a:ext>
+            </a:extLst>
+          </p:cNvPr>
+          <p:cNvSpPr>
+            <a:spLocks noGrp="1"/>
+          </p:cNvSpPr>
+          <p:nvPr>
+            <p:ph type="title"/>
+          </p:nvPr>
+        </p:nvSpPr>
+        <p:spPr/>
+        <p:txBody>
+          <a:bodyPr/>
+          <a:lstStyle/>
+          <a:p>
+            <a:r>
+              <a:rPr lang="en-US" dirty="0"/>
+              <a:t>Overview of Presentation</a:t>
+            </a:r>
+          </a:p>
+        </p:txBody>
+      </p:sp>
+      <p:sp>
+        <p:nvSpPr>
+          <p:cNvPr id="3" name="Content Placeholder 2">
+            <a:extLst>
+              <a:ext uri="{FF2B5EF4-FFF2-40B4-BE49-F238E27FC236}">
+                <a16:creationId xmlns:a16="http://schemas.microsoft.com/office/drawing/2014/main" id="{D7B0B7A9-50FA-E043-B203-402FE16C41CD}"/>
+              </a:ext>
+            </a:extLst>
+          </p:cNvPr>
+          <p:cNvSpPr>
+            <a:spLocks noGrp="1"/>
+          </p:cNvSpPr>
+          <p:nvPr>
+            <p:ph idx="1"/>
+          </p:nvPr>
+        </p:nvSpPr>
+        <p:spPr>
+          <a:xfrm>
+            <a:off x="1560443" y="2142067"/>
+            <a:ext cx="9256783" cy="3649133"/>
+          </a:xfrm>
+        </p:spPr>
+        <p:txBody>
+          <a:bodyPr>
+            <a:normAutofit/>
+          </a:bodyPr>
+          <a:lstStyle/>
+          <a:p>
+            <a:r>
+              <a:rPr lang="en-US" dirty="0">
+                <a:solidFill>
+                  <a:schemeClr val="tx1">
+                    <a:lumMod val="50000"/>
+                  </a:schemeClr>
+                </a:solidFill>
+              </a:rPr>
+              <a:t>Motivation</a:t>
+            </a:r>
+          </a:p>
+          <a:p>
+            <a:pPr lvl="1"/>
+            <a:r>
+              <a:rPr lang="en-US" dirty="0">
+                <a:solidFill>
+                  <a:schemeClr val="tx1">
+                    <a:lumMod val="50000"/>
+                  </a:schemeClr>
+                </a:solidFill>
+              </a:rPr>
+              <a:t>Research Goals</a:t>
+            </a:r>
+          </a:p>
+          <a:p>
+            <a:r>
+              <a:rPr lang="en-US" dirty="0">
+                <a:solidFill>
+                  <a:schemeClr val="tx1">
+                    <a:lumMod val="50000"/>
+                  </a:schemeClr>
+                </a:solidFill>
+              </a:rPr>
+              <a:t>Initial Experiments</a:t>
+            </a:r>
+          </a:p>
+          <a:p>
+            <a:pPr lvl="1"/>
+            <a:r>
+              <a:rPr lang="en-US" dirty="0">
+                <a:solidFill>
+                  <a:schemeClr val="tx1">
+                    <a:lumMod val="50000"/>
+                  </a:schemeClr>
+                </a:solidFill>
+              </a:rPr>
+              <a:t>Explaining the Data</a:t>
+            </a:r>
+          </a:p>
+          <a:p>
+            <a:pPr lvl="1"/>
+            <a:r>
+              <a:rPr lang="en-US" dirty="0">
+                <a:solidFill>
+                  <a:schemeClr val="tx1">
+                    <a:lumMod val="50000"/>
+                  </a:schemeClr>
+                </a:solidFill>
+              </a:rPr>
+              <a:t>Linear/Polynomial Regression</a:t>
+            </a:r>
+          </a:p>
+          <a:p>
+            <a:r>
+              <a:rPr lang="en-US" dirty="0"/>
+              <a:t>Ridge Regression</a:t>
+            </a:r>
+          </a:p>
+          <a:p>
+            <a:pPr lvl="1"/>
+            <a:r>
+              <a:rPr lang="en-US" dirty="0"/>
+              <a:t>Formula exploration</a:t>
+            </a:r>
+          </a:p>
+          <a:p>
+            <a:pPr lvl="1"/>
+            <a:r>
+              <a:rPr lang="en-US" dirty="0"/>
+              <a:t>Results</a:t>
+            </a:r>
+          </a:p>
+          <a:p>
+            <a:r>
+              <a:rPr lang="en-US" dirty="0">
+                <a:solidFill>
+                  <a:schemeClr val="tx1">
+                    <a:lumMod val="50000"/>
+                  </a:schemeClr>
+                </a:solidFill>
+              </a:rPr>
+              <a:t>Conclusion</a:t>
+            </a:r>
+          </a:p>
+        </p:txBody>
+      </p:sp>
+    </p:spTree>
+    <p:extLst>
+      <p:ext uri="{BB962C8B-B14F-4D97-AF65-F5344CB8AC3E}">
+        <p14:creationId xmlns:p14="http://schemas.microsoft.com/office/powerpoint/2010/main" val="2130234614"/>
       </p:ext>
     </p:extLst>
   </p:cSld>
